--- a/img/source vectorgrafics/k8sArchInteraktion.pptx
+++ b/img/source vectorgrafics/k8sArchInteraktion.pptx
@@ -104,6 +104,11 @@
       </a:defRPr>
     </a:lvl9pPr>
   </p:defaultTextStyle>
+  <p:extLst>
+    <p:ext uri="{EFAFB233-063F-42B5-8137-9DF3F51BA10A}">
+      <p15:sldGuideLst xmlns:p15="http://schemas.microsoft.com/office/powerpoint/2012/main"/>
+    </p:ext>
+  </p:extLst>
 </p:presentation>
 </file>
 
@@ -254,7 +259,7 @@
           <a:p>
             <a:fld id="{ABA0EE8A-C603-4345-98BD-10B214605667}" type="datetimeFigureOut">
               <a:rPr lang="de-DE" smtClean="0"/>
-              <a:t>01.04.2020</a:t>
+              <a:t>06.05.2020</a:t>
             </a:fld>
             <a:endParaRPr lang="de-DE"/>
           </a:p>
@@ -452,7 +457,7 @@
           <a:p>
             <a:fld id="{ABA0EE8A-C603-4345-98BD-10B214605667}" type="datetimeFigureOut">
               <a:rPr lang="de-DE" smtClean="0"/>
-              <a:t>01.04.2020</a:t>
+              <a:t>06.05.2020</a:t>
             </a:fld>
             <a:endParaRPr lang="de-DE"/>
           </a:p>
@@ -660,7 +665,7 @@
           <a:p>
             <a:fld id="{ABA0EE8A-C603-4345-98BD-10B214605667}" type="datetimeFigureOut">
               <a:rPr lang="de-DE" smtClean="0"/>
-              <a:t>01.04.2020</a:t>
+              <a:t>06.05.2020</a:t>
             </a:fld>
             <a:endParaRPr lang="de-DE"/>
           </a:p>
@@ -858,7 +863,7 @@
           <a:p>
             <a:fld id="{ABA0EE8A-C603-4345-98BD-10B214605667}" type="datetimeFigureOut">
               <a:rPr lang="de-DE" smtClean="0"/>
-              <a:t>01.04.2020</a:t>
+              <a:t>06.05.2020</a:t>
             </a:fld>
             <a:endParaRPr lang="de-DE"/>
           </a:p>
@@ -1133,7 +1138,7 @@
           <a:p>
             <a:fld id="{ABA0EE8A-C603-4345-98BD-10B214605667}" type="datetimeFigureOut">
               <a:rPr lang="de-DE" smtClean="0"/>
-              <a:t>01.04.2020</a:t>
+              <a:t>06.05.2020</a:t>
             </a:fld>
             <a:endParaRPr lang="de-DE"/>
           </a:p>
@@ -1398,7 +1403,7 @@
           <a:p>
             <a:fld id="{ABA0EE8A-C603-4345-98BD-10B214605667}" type="datetimeFigureOut">
               <a:rPr lang="de-DE" smtClean="0"/>
-              <a:t>01.04.2020</a:t>
+              <a:t>06.05.2020</a:t>
             </a:fld>
             <a:endParaRPr lang="de-DE"/>
           </a:p>
@@ -1810,7 +1815,7 @@
           <a:p>
             <a:fld id="{ABA0EE8A-C603-4345-98BD-10B214605667}" type="datetimeFigureOut">
               <a:rPr lang="de-DE" smtClean="0"/>
-              <a:t>01.04.2020</a:t>
+              <a:t>06.05.2020</a:t>
             </a:fld>
             <a:endParaRPr lang="de-DE"/>
           </a:p>
@@ -1951,7 +1956,7 @@
           <a:p>
             <a:fld id="{ABA0EE8A-C603-4345-98BD-10B214605667}" type="datetimeFigureOut">
               <a:rPr lang="de-DE" smtClean="0"/>
-              <a:t>01.04.2020</a:t>
+              <a:t>06.05.2020</a:t>
             </a:fld>
             <a:endParaRPr lang="de-DE"/>
           </a:p>
@@ -2064,7 +2069,7 @@
           <a:p>
             <a:fld id="{ABA0EE8A-C603-4345-98BD-10B214605667}" type="datetimeFigureOut">
               <a:rPr lang="de-DE" smtClean="0"/>
-              <a:t>01.04.2020</a:t>
+              <a:t>06.05.2020</a:t>
             </a:fld>
             <a:endParaRPr lang="de-DE"/>
           </a:p>
@@ -2375,7 +2380,7 @@
           <a:p>
             <a:fld id="{ABA0EE8A-C603-4345-98BD-10B214605667}" type="datetimeFigureOut">
               <a:rPr lang="de-DE" smtClean="0"/>
-              <a:t>01.04.2020</a:t>
+              <a:t>06.05.2020</a:t>
             </a:fld>
             <a:endParaRPr lang="de-DE"/>
           </a:p>
@@ -2663,7 +2668,7 @@
           <a:p>
             <a:fld id="{ABA0EE8A-C603-4345-98BD-10B214605667}" type="datetimeFigureOut">
               <a:rPr lang="de-DE" smtClean="0"/>
-              <a:t>01.04.2020</a:t>
+              <a:t>06.05.2020</a:t>
             </a:fld>
             <a:endParaRPr lang="de-DE"/>
           </a:p>
@@ -2904,7 +2909,7 @@
           <a:p>
             <a:fld id="{ABA0EE8A-C603-4345-98BD-10B214605667}" type="datetimeFigureOut">
               <a:rPr lang="de-DE" smtClean="0"/>
-              <a:t>01.04.2020</a:t>
+              <a:t>06.05.2020</a:t>
             </a:fld>
             <a:endParaRPr lang="de-DE"/>
           </a:p>
@@ -3964,13 +3969,8 @@
               <a:pPr algn="ctr"/>
               <a:r>
                 <a:rPr lang="de-DE" sz="1200" dirty="0"/>
-                <a:t>Kube-</a:t>
+                <a:t>Kube-Scheduler</a:t>
               </a:r>
-              <a:r>
-                <a:rPr lang="de-DE" sz="1200" dirty="0" err="1"/>
-                <a:t>scheduler</a:t>
-              </a:r>
-              <a:endParaRPr lang="de-DE" sz="1200" dirty="0"/>
             </a:p>
           </p:txBody>
         </p:sp>
@@ -4509,9 +4509,10 @@
           <a:p>
             <a:pPr algn="ctr"/>
             <a:r>
-              <a:rPr lang="de-DE" dirty="0"/>
-              <a:t>Kube-proxy</a:t>
-            </a:r>
+              <a:rPr lang="de-DE"/>
+              <a:t>Kube-Proxy</a:t>
+            </a:r>
+            <a:endParaRPr lang="de-DE" dirty="0"/>
           </a:p>
         </p:txBody>
       </p:sp>
